--- a/Presentazione SQL_4 - Analisi script.pptx
+++ b/Presentazione SQL_4 - Analisi script.pptx
@@ -645,7 +645,7 @@
             <a:pPr>
               <a:defRPr/>
             </a:pPr>
-            <a:fld id="{EB187189-52DC-8ED5-1F4F-75585A64F658}" type="slidenum">
+            <a:fld id="{BF2D61D8-74DE-DC5D-A3DD-720A7B0164A8}" type="slidenum">
               <a:rPr/>
               <a:t/>
             </a:fld>
@@ -727,7 +727,7 @@
             <a:pPr>
               <a:defRPr/>
             </a:pPr>
-            <a:fld id="{BF2D61D8-74DE-DC5D-A3DD-720A7B0164A8}" type="slidenum">
+            <a:fld id="{EB187189-52DC-8ED5-1F4F-75585A64F658}" type="slidenum">
               <a:rPr/>
               <a:t/>
             </a:fld>
@@ -3900,6 +3900,13 @@
 <file path=ppt/slides/slide2.xml><?xml version="1.0" encoding="utf-8"?>
 <p:sld xmlns:a="http://schemas.openxmlformats.org/drawingml/2006/main" xmlns:r="http://schemas.openxmlformats.org/officeDocument/2006/relationships" xmlns:p="http://schemas.openxmlformats.org/presentationml/2006/main" xmlns:m="http://schemas.openxmlformats.org/officeDocument/2006/math" xmlns:w="http://schemas.openxmlformats.org/wordprocessingml/2006/main" showMasterPhAnim="0" show="1">
   <p:cSld name="">
+    <p:bg>
+      <p:bgPr shadeToTitle="0">
+        <a:solidFill>
+          <a:srgbClr val="F7F7F7"/>
+        </a:solidFill>
+      </p:bgPr>
+    </p:bg>
     <p:spTree>
       <p:nvGrpSpPr>
         <p:cNvPr id="1" name=""/>
@@ -3914,32 +3921,28 @@
           <a:chExt cx="0" cy="0"/>
         </a:xfrm>
       </p:grpSpPr>
-      <p:sp>
-        <p:nvSpPr>
-          <p:cNvPr id="762097762" name="Title 1"/>
-          <p:cNvSpPr>
-            <a:spLocks noGrp="1"/>
-          </p:cNvSpPr>
-          <p:nvPr>
-            <p:ph type="title"/>
-          </p:nvPr>
-        </p:nvSpPr>
-        <p:spPr bwMode="auto"/>
-        <p:txBody>
-          <a:bodyPr/>
-          <a:lstStyle/>
-          <a:p>
-            <a:pPr>
-              <a:defRPr/>
-            </a:pPr>
-            <a:r>
-              <a:rPr/>
-              <a:t>Analisi SQL creazione database...</a:t>
-            </a:r>
-            <a:endParaRPr/>
-          </a:p>
-        </p:txBody>
-      </p:sp>
+      <p:pic>
+        <p:nvPicPr>
+          <p:cNvPr id="1658200651" name=""/>
+          <p:cNvPicPr>
+            <a:picLocks noChangeAspect="1"/>
+          </p:cNvPicPr>
+          <p:nvPr/>
+        </p:nvPicPr>
+        <p:blipFill>
+          <a:blip r:embed="rId3"/>
+          <a:stretch/>
+        </p:blipFill>
+        <p:spPr bwMode="auto">
+          <a:xfrm>
+            <a:off x="3476624" y="23811"/>
+            <a:ext cx="5238749" cy="6810374"/>
+          </a:xfrm>
+          <a:prstGeom prst="rect">
+            <a:avLst/>
+          </a:prstGeom>
+        </p:spPr>
+      </p:pic>
     </p:spTree>
   </p:cSld>
   <p:clrMapOvr>
@@ -3975,7 +3978,7 @@
       </p:grpSpPr>
       <p:sp>
         <p:nvSpPr>
-          <p:cNvPr id="1491970982" name="Title 1"/>
+          <p:cNvPr id="762097762" name="Title 1"/>
           <p:cNvSpPr>
             <a:spLocks noGrp="1"/>
           </p:cNvSpPr>
@@ -3991,60 +3994,10 @@
             <a:pPr>
               <a:defRPr/>
             </a:pPr>
-            <a:endParaRPr/>
-          </a:p>
-        </p:txBody>
-      </p:sp>
-      <p:sp>
-        <p:nvSpPr>
-          <p:cNvPr id="1422346999" name="Segnaposto contenuto 2"/>
-          <p:cNvSpPr>
-            <a:spLocks noGrp="1"/>
-          </p:cNvSpPr>
-          <p:nvPr>
-            <p:ph sz="half" idx="1"/>
-          </p:nvPr>
-        </p:nvSpPr>
-        <p:spPr bwMode="auto">
-          <a:xfrm>
-            <a:off x="838199" y="1825624"/>
-            <a:ext cx="5181599" cy="4351338"/>
-          </a:xfrm>
-        </p:spPr>
-        <p:txBody>
-          <a:bodyPr/>
-          <a:lstStyle/>
-          <a:p>
-            <a:pPr>
-              <a:defRPr/>
-            </a:pPr>
-            <a:endParaRPr/>
-          </a:p>
-        </p:txBody>
-      </p:sp>
-      <p:sp>
-        <p:nvSpPr>
-          <p:cNvPr id="1184272617" name="Segnaposto contenuto 3"/>
-          <p:cNvSpPr>
-            <a:spLocks noGrp="1"/>
-          </p:cNvSpPr>
-          <p:nvPr>
-            <p:ph sz="half" idx="2"/>
-          </p:nvPr>
-        </p:nvSpPr>
-        <p:spPr bwMode="auto">
-          <a:xfrm>
-            <a:off x="6172200" y="1825624"/>
-            <a:ext cx="5181599" cy="4351338"/>
-          </a:xfrm>
-        </p:spPr>
-        <p:txBody>
-          <a:bodyPr/>
-          <a:lstStyle/>
-          <a:p>
-            <a:pPr>
-              <a:defRPr/>
-            </a:pPr>
+            <a:r>
+              <a:rPr/>
+              <a:t>Analisi SQL creazione database...</a:t>
+            </a:r>
             <a:endParaRPr/>
           </a:p>
         </p:txBody>
